--- a/docs/Project Apollo - v09.pptx
+++ b/docs/Project Apollo - v09.pptx
@@ -4,13 +4,17 @@
   <p:sldMasterIdLst>
     <p:sldMasterId id="2147483648" r:id="rId1"/>
   </p:sldMasterIdLst>
+  <p:notesMasterIdLst>
+    <p:notesMasterId r:id="rId9"/>
+  </p:notesMasterIdLst>
   <p:sldIdLst>
     <p:sldId id="264" r:id="rId2"/>
     <p:sldId id="258" r:id="rId3"/>
     <p:sldId id="259" r:id="rId4"/>
     <p:sldId id="256" r:id="rId5"/>
     <p:sldId id="262" r:id="rId6"/>
-    <p:sldId id="263" r:id="rId7"/>
+    <p:sldId id="266" r:id="rId7"/>
+    <p:sldId id="263" r:id="rId8"/>
   </p:sldIdLst>
   <p:sldSz cx="9144000" cy="6858000" type="screen4x3"/>
   <p:notesSz cx="6858000" cy="9144000"/>
@@ -126,6 +130,439 @@
     </p:ext>
   </p:extLst>
 </p:presentation>
+</file>
+
+<file path=ppt/notesMasters/notesMaster1.xml><?xml version="1.0" encoding="utf-8"?>
+<p:notesMaster xmlns:a="http://schemas.openxmlformats.org/drawingml/2006/main" xmlns:r="http://schemas.openxmlformats.org/officeDocument/2006/relationships" xmlns:p="http://schemas.openxmlformats.org/presentationml/2006/main">
+  <p:cSld>
+    <p:bg>
+      <p:bgRef idx="1001">
+        <a:schemeClr val="bg1"/>
+      </p:bgRef>
+    </p:bg>
+    <p:spTree>
+      <p:nvGrpSpPr>
+        <p:cNvPr id="1" name=""/>
+        <p:cNvGrpSpPr/>
+        <p:nvPr/>
+      </p:nvGrpSpPr>
+      <p:grpSpPr>
+        <a:xfrm>
+          <a:off x="0" y="0"/>
+          <a:ext cx="0" cy="0"/>
+          <a:chOff x="0" y="0"/>
+          <a:chExt cx="0" cy="0"/>
+        </a:xfrm>
+      </p:grpSpPr>
+      <p:sp>
+        <p:nvSpPr>
+          <p:cNvPr id="2" name="Header Placeholder 1"/>
+          <p:cNvSpPr>
+            <a:spLocks noGrp="1"/>
+          </p:cNvSpPr>
+          <p:nvPr>
+            <p:ph type="hdr" sz="quarter"/>
+          </p:nvPr>
+        </p:nvSpPr>
+        <p:spPr>
+          <a:xfrm>
+            <a:off x="0" y="0"/>
+            <a:ext cx="2971800" cy="458788"/>
+          </a:xfrm>
+          <a:prstGeom prst="rect">
+            <a:avLst/>
+          </a:prstGeom>
+        </p:spPr>
+        <p:txBody>
+          <a:bodyPr vert="horz" lIns="91440" tIns="45720" rIns="91440" bIns="45720" rtlCol="0"/>
+          <a:lstStyle>
+            <a:lvl1pPr algn="l">
+              <a:defRPr sz="1200"/>
+            </a:lvl1pPr>
+          </a:lstStyle>
+          <a:p>
+            <a:endParaRPr lang="en-US"/>
+          </a:p>
+        </p:txBody>
+      </p:sp>
+      <p:sp>
+        <p:nvSpPr>
+          <p:cNvPr id="3" name="Date Placeholder 2"/>
+          <p:cNvSpPr>
+            <a:spLocks noGrp="1"/>
+          </p:cNvSpPr>
+          <p:nvPr>
+            <p:ph type="dt" idx="1"/>
+          </p:nvPr>
+        </p:nvSpPr>
+        <p:spPr>
+          <a:xfrm>
+            <a:off x="3884613" y="0"/>
+            <a:ext cx="2971800" cy="458788"/>
+          </a:xfrm>
+          <a:prstGeom prst="rect">
+            <a:avLst/>
+          </a:prstGeom>
+        </p:spPr>
+        <p:txBody>
+          <a:bodyPr vert="horz" lIns="91440" tIns="45720" rIns="91440" bIns="45720" rtlCol="0"/>
+          <a:lstStyle>
+            <a:lvl1pPr algn="r">
+              <a:defRPr sz="1200"/>
+            </a:lvl1pPr>
+          </a:lstStyle>
+          <a:p>
+            <a:fld id="{E3480FF6-4E44-47FD-A3E8-39963C11593A}" type="datetimeFigureOut">
+              <a:rPr lang="en-US" smtClean="0"/>
+              <a:t>3/9/2021</a:t>
+            </a:fld>
+            <a:endParaRPr lang="en-US"/>
+          </a:p>
+        </p:txBody>
+      </p:sp>
+      <p:sp>
+        <p:nvSpPr>
+          <p:cNvPr id="4" name="Slide Image Placeholder 3"/>
+          <p:cNvSpPr>
+            <a:spLocks noGrp="1" noRot="1" noChangeAspect="1"/>
+          </p:cNvSpPr>
+          <p:nvPr>
+            <p:ph type="sldImg" idx="2"/>
+          </p:nvPr>
+        </p:nvSpPr>
+        <p:spPr>
+          <a:xfrm>
+            <a:off x="1371600" y="1143000"/>
+            <a:ext cx="4114800" cy="3086100"/>
+          </a:xfrm>
+          <a:prstGeom prst="rect">
+            <a:avLst/>
+          </a:prstGeom>
+          <a:noFill/>
+          <a:ln w="12700">
+            <a:solidFill>
+              <a:prstClr val="black"/>
+            </a:solidFill>
+          </a:ln>
+        </p:spPr>
+        <p:txBody>
+          <a:bodyPr vert="horz" lIns="91440" tIns="45720" rIns="91440" bIns="45720" rtlCol="0" anchor="ctr"/>
+          <a:lstStyle/>
+          <a:p>
+            <a:endParaRPr lang="en-US"/>
+          </a:p>
+        </p:txBody>
+      </p:sp>
+      <p:sp>
+        <p:nvSpPr>
+          <p:cNvPr id="5" name="Notes Placeholder 4"/>
+          <p:cNvSpPr>
+            <a:spLocks noGrp="1"/>
+          </p:cNvSpPr>
+          <p:nvPr>
+            <p:ph type="body" sz="quarter" idx="3"/>
+          </p:nvPr>
+        </p:nvSpPr>
+        <p:spPr>
+          <a:xfrm>
+            <a:off x="685800" y="4400550"/>
+            <a:ext cx="5486400" cy="3600450"/>
+          </a:xfrm>
+          <a:prstGeom prst="rect">
+            <a:avLst/>
+          </a:prstGeom>
+        </p:spPr>
+        <p:txBody>
+          <a:bodyPr vert="horz" lIns="91440" tIns="45720" rIns="91440" bIns="45720" rtlCol="0"/>
+          <a:lstStyle/>
+          <a:p>
+            <a:pPr lvl="0"/>
+            <a:r>
+              <a:rPr lang="en-US"/>
+              <a:t>Click to edit Master text styles</a:t>
+            </a:r>
+          </a:p>
+          <a:p>
+            <a:pPr lvl="1"/>
+            <a:r>
+              <a:rPr lang="en-US"/>
+              <a:t>Second level</a:t>
+            </a:r>
+          </a:p>
+          <a:p>
+            <a:pPr lvl="2"/>
+            <a:r>
+              <a:rPr lang="en-US"/>
+              <a:t>Third level</a:t>
+            </a:r>
+          </a:p>
+          <a:p>
+            <a:pPr lvl="3"/>
+            <a:r>
+              <a:rPr lang="en-US"/>
+              <a:t>Fourth level</a:t>
+            </a:r>
+          </a:p>
+          <a:p>
+            <a:pPr lvl="4"/>
+            <a:r>
+              <a:rPr lang="en-US"/>
+              <a:t>Fifth level</a:t>
+            </a:r>
+          </a:p>
+        </p:txBody>
+      </p:sp>
+      <p:sp>
+        <p:nvSpPr>
+          <p:cNvPr id="6" name="Footer Placeholder 5"/>
+          <p:cNvSpPr>
+            <a:spLocks noGrp="1"/>
+          </p:cNvSpPr>
+          <p:nvPr>
+            <p:ph type="ftr" sz="quarter" idx="4"/>
+          </p:nvPr>
+        </p:nvSpPr>
+        <p:spPr>
+          <a:xfrm>
+            <a:off x="0" y="8685213"/>
+            <a:ext cx="2971800" cy="458787"/>
+          </a:xfrm>
+          <a:prstGeom prst="rect">
+            <a:avLst/>
+          </a:prstGeom>
+        </p:spPr>
+        <p:txBody>
+          <a:bodyPr vert="horz" lIns="91440" tIns="45720" rIns="91440" bIns="45720" rtlCol="0" anchor="b"/>
+          <a:lstStyle>
+            <a:lvl1pPr algn="l">
+              <a:defRPr sz="1200"/>
+            </a:lvl1pPr>
+          </a:lstStyle>
+          <a:p>
+            <a:endParaRPr lang="en-US"/>
+          </a:p>
+        </p:txBody>
+      </p:sp>
+      <p:sp>
+        <p:nvSpPr>
+          <p:cNvPr id="7" name="Slide Number Placeholder 6"/>
+          <p:cNvSpPr>
+            <a:spLocks noGrp="1"/>
+          </p:cNvSpPr>
+          <p:nvPr>
+            <p:ph type="sldNum" sz="quarter" idx="5"/>
+          </p:nvPr>
+        </p:nvSpPr>
+        <p:spPr>
+          <a:xfrm>
+            <a:off x="3884613" y="8685213"/>
+            <a:ext cx="2971800" cy="458787"/>
+          </a:xfrm>
+          <a:prstGeom prst="rect">
+            <a:avLst/>
+          </a:prstGeom>
+        </p:spPr>
+        <p:txBody>
+          <a:bodyPr vert="horz" lIns="91440" tIns="45720" rIns="91440" bIns="45720" rtlCol="0" anchor="b"/>
+          <a:lstStyle>
+            <a:lvl1pPr algn="r">
+              <a:defRPr sz="1200"/>
+            </a:lvl1pPr>
+          </a:lstStyle>
+          <a:p>
+            <a:fld id="{AF03A848-E3FB-4A27-B540-3CF760345B5B}" type="slidenum">
+              <a:rPr lang="en-US" smtClean="0"/>
+              <a:t>‹#›</a:t>
+            </a:fld>
+            <a:endParaRPr lang="en-US"/>
+          </a:p>
+        </p:txBody>
+      </p:sp>
+    </p:spTree>
+    <p:extLst>
+      <p:ext uri="{BB962C8B-B14F-4D97-AF65-F5344CB8AC3E}">
+        <p14:creationId xmlns:p14="http://schemas.microsoft.com/office/powerpoint/2010/main" val="3716980603"/>
+      </p:ext>
+    </p:extLst>
+  </p:cSld>
+  <p:clrMap bg1="lt1" tx1="dk1" bg2="lt2" tx2="dk2" accent1="accent1" accent2="accent2" accent3="accent3" accent4="accent4" accent5="accent5" accent6="accent6" hlink="hlink" folHlink="folHlink"/>
+  <p:notesStyle>
+    <a:lvl1pPr marL="0" algn="l" defTabSz="914400" rtl="0" eaLnBrk="1" latinLnBrk="0" hangingPunct="1">
+      <a:defRPr sz="1200" kern="1200">
+        <a:solidFill>
+          <a:schemeClr val="tx1"/>
+        </a:solidFill>
+        <a:latin typeface="+mn-lt"/>
+        <a:ea typeface="+mn-ea"/>
+        <a:cs typeface="+mn-cs"/>
+      </a:defRPr>
+    </a:lvl1pPr>
+    <a:lvl2pPr marL="457200" algn="l" defTabSz="914400" rtl="0" eaLnBrk="1" latinLnBrk="0" hangingPunct="1">
+      <a:defRPr sz="1200" kern="1200">
+        <a:solidFill>
+          <a:schemeClr val="tx1"/>
+        </a:solidFill>
+        <a:latin typeface="+mn-lt"/>
+        <a:ea typeface="+mn-ea"/>
+        <a:cs typeface="+mn-cs"/>
+      </a:defRPr>
+    </a:lvl2pPr>
+    <a:lvl3pPr marL="914400" algn="l" defTabSz="914400" rtl="0" eaLnBrk="1" latinLnBrk="0" hangingPunct="1">
+      <a:defRPr sz="1200" kern="1200">
+        <a:solidFill>
+          <a:schemeClr val="tx1"/>
+        </a:solidFill>
+        <a:latin typeface="+mn-lt"/>
+        <a:ea typeface="+mn-ea"/>
+        <a:cs typeface="+mn-cs"/>
+      </a:defRPr>
+    </a:lvl3pPr>
+    <a:lvl4pPr marL="1371600" algn="l" defTabSz="914400" rtl="0" eaLnBrk="1" latinLnBrk="0" hangingPunct="1">
+      <a:defRPr sz="1200" kern="1200">
+        <a:solidFill>
+          <a:schemeClr val="tx1"/>
+        </a:solidFill>
+        <a:latin typeface="+mn-lt"/>
+        <a:ea typeface="+mn-ea"/>
+        <a:cs typeface="+mn-cs"/>
+      </a:defRPr>
+    </a:lvl4pPr>
+    <a:lvl5pPr marL="1828800" algn="l" defTabSz="914400" rtl="0" eaLnBrk="1" latinLnBrk="0" hangingPunct="1">
+      <a:defRPr sz="1200" kern="1200">
+        <a:solidFill>
+          <a:schemeClr val="tx1"/>
+        </a:solidFill>
+        <a:latin typeface="+mn-lt"/>
+        <a:ea typeface="+mn-ea"/>
+        <a:cs typeface="+mn-cs"/>
+      </a:defRPr>
+    </a:lvl5pPr>
+    <a:lvl6pPr marL="2286000" algn="l" defTabSz="914400" rtl="0" eaLnBrk="1" latinLnBrk="0" hangingPunct="1">
+      <a:defRPr sz="1200" kern="1200">
+        <a:solidFill>
+          <a:schemeClr val="tx1"/>
+        </a:solidFill>
+        <a:latin typeface="+mn-lt"/>
+        <a:ea typeface="+mn-ea"/>
+        <a:cs typeface="+mn-cs"/>
+      </a:defRPr>
+    </a:lvl6pPr>
+    <a:lvl7pPr marL="2743200" algn="l" defTabSz="914400" rtl="0" eaLnBrk="1" latinLnBrk="0" hangingPunct="1">
+      <a:defRPr sz="1200" kern="1200">
+        <a:solidFill>
+          <a:schemeClr val="tx1"/>
+        </a:solidFill>
+        <a:latin typeface="+mn-lt"/>
+        <a:ea typeface="+mn-ea"/>
+        <a:cs typeface="+mn-cs"/>
+      </a:defRPr>
+    </a:lvl7pPr>
+    <a:lvl8pPr marL="3200400" algn="l" defTabSz="914400" rtl="0" eaLnBrk="1" latinLnBrk="0" hangingPunct="1">
+      <a:defRPr sz="1200" kern="1200">
+        <a:solidFill>
+          <a:schemeClr val="tx1"/>
+        </a:solidFill>
+        <a:latin typeface="+mn-lt"/>
+        <a:ea typeface="+mn-ea"/>
+        <a:cs typeface="+mn-cs"/>
+      </a:defRPr>
+    </a:lvl8pPr>
+    <a:lvl9pPr marL="3657600" algn="l" defTabSz="914400" rtl="0" eaLnBrk="1" latinLnBrk="0" hangingPunct="1">
+      <a:defRPr sz="1200" kern="1200">
+        <a:solidFill>
+          <a:schemeClr val="tx1"/>
+        </a:solidFill>
+        <a:latin typeface="+mn-lt"/>
+        <a:ea typeface="+mn-ea"/>
+        <a:cs typeface="+mn-cs"/>
+      </a:defRPr>
+    </a:lvl9pPr>
+  </p:notesStyle>
+</p:notesMaster>
+</file>
+
+<file path=ppt/notesSlides/notesSlide1.xml><?xml version="1.0" encoding="utf-8"?>
+<p:notes xmlns:a="http://schemas.openxmlformats.org/drawingml/2006/main" xmlns:r="http://schemas.openxmlformats.org/officeDocument/2006/relationships" xmlns:p="http://schemas.openxmlformats.org/presentationml/2006/main">
+  <p:cSld>
+    <p:spTree>
+      <p:nvGrpSpPr>
+        <p:cNvPr id="1" name=""/>
+        <p:cNvGrpSpPr/>
+        <p:nvPr/>
+      </p:nvGrpSpPr>
+      <p:grpSpPr>
+        <a:xfrm>
+          <a:off x="0" y="0"/>
+          <a:ext cx="0" cy="0"/>
+          <a:chOff x="0" y="0"/>
+          <a:chExt cx="0" cy="0"/>
+        </a:xfrm>
+      </p:grpSpPr>
+      <p:sp>
+        <p:nvSpPr>
+          <p:cNvPr id="2" name="Slide Image Placeholder 1"/>
+          <p:cNvSpPr>
+            <a:spLocks noGrp="1" noRot="1" noChangeAspect="1"/>
+          </p:cNvSpPr>
+          <p:nvPr>
+            <p:ph type="sldImg"/>
+          </p:nvPr>
+        </p:nvSpPr>
+        <p:spPr/>
+      </p:sp>
+      <p:sp>
+        <p:nvSpPr>
+          <p:cNvPr id="3" name="Notes Placeholder 2"/>
+          <p:cNvSpPr>
+            <a:spLocks noGrp="1"/>
+          </p:cNvSpPr>
+          <p:nvPr>
+            <p:ph type="body" idx="1"/>
+          </p:nvPr>
+        </p:nvSpPr>
+        <p:spPr/>
+        <p:txBody>
+          <a:bodyPr/>
+          <a:lstStyle/>
+          <a:p>
+            <a:endParaRPr lang="en-US" dirty="0"/>
+          </a:p>
+        </p:txBody>
+      </p:sp>
+      <p:sp>
+        <p:nvSpPr>
+          <p:cNvPr id="4" name="Slide Number Placeholder 3"/>
+          <p:cNvSpPr>
+            <a:spLocks noGrp="1"/>
+          </p:cNvSpPr>
+          <p:nvPr>
+            <p:ph type="sldNum" sz="quarter" idx="5"/>
+          </p:nvPr>
+        </p:nvSpPr>
+        <p:spPr/>
+        <p:txBody>
+          <a:bodyPr/>
+          <a:lstStyle/>
+          <a:p>
+            <a:fld id="{AF03A848-E3FB-4A27-B540-3CF760345B5B}" type="slidenum">
+              <a:rPr lang="en-US" smtClean="0"/>
+              <a:t>6</a:t>
+            </a:fld>
+            <a:endParaRPr lang="en-US"/>
+          </a:p>
+        </p:txBody>
+      </p:sp>
+    </p:spTree>
+    <p:extLst>
+      <p:ext uri="{BB962C8B-B14F-4D97-AF65-F5344CB8AC3E}">
+        <p14:creationId xmlns:p14="http://schemas.microsoft.com/office/powerpoint/2010/main" val="1853982168"/>
+      </p:ext>
+    </p:extLst>
+  </p:cSld>
+  <p:clrMapOvr>
+    <a:masterClrMapping/>
+  </p:clrMapOvr>
+</p:notes>
 </file>
 
 <file path=ppt/slideLayouts/slideLayout1.xml><?xml version="1.0" encoding="utf-8"?>
@@ -3193,7 +3630,7 @@
         <p:spPr>
           <a:xfrm>
             <a:off x="2392663" y="4036986"/>
-            <a:ext cx="4390946" cy="646331"/>
+            <a:ext cx="4390946" cy="1200329"/>
           </a:xfrm>
           <a:prstGeom prst="rect">
             <a:avLst/>
@@ -3233,6 +3670,95 @@
                 <a:cs typeface="Futura"/>
               </a:rPr>
               <a:t>An open source oxygen concentrator</a:t>
+            </a:r>
+          </a:p>
+          <a:p>
+            <a:r>
+              <a:rPr lang="en-US" b="1" dirty="0">
+                <a:ln w="12700">
+                  <a:solidFill>
+                    <a:schemeClr val="tx2">
+                      <a:satMod val="155000"/>
+                    </a:schemeClr>
+                  </a:solidFill>
+                  <a:prstDash val="solid"/>
+                </a:ln>
+                <a:solidFill>
+                  <a:schemeClr val="bg2">
+                    <a:tint val="85000"/>
+                    <a:satMod val="155000"/>
+                  </a:schemeClr>
+                </a:solidFill>
+                <a:effectLst>
+                  <a:outerShdw blurRad="41275" dist="20320" dir="1800000" algn="tl" rotWithShape="0">
+                    <a:srgbClr val="000000">
+                      <a:alpha val="40000"/>
+                    </a:srgbClr>
+                  </a:outerShdw>
+                </a:effectLst>
+                <a:latin typeface="Futura"/>
+                <a:cs typeface="Futura"/>
+                <a:hlinkClick r:id="rId3"/>
+              </a:rPr>
+              <a:t>http://project-apollo.org</a:t>
+            </a:r>
+            <a:r>
+              <a:rPr lang="en-US" b="1" dirty="0">
+                <a:ln w="12700">
+                  <a:solidFill>
+                    <a:schemeClr val="tx2">
+                      <a:satMod val="155000"/>
+                    </a:schemeClr>
+                  </a:solidFill>
+                  <a:prstDash val="solid"/>
+                </a:ln>
+                <a:solidFill>
+                  <a:schemeClr val="bg2">
+                    <a:tint val="85000"/>
+                    <a:satMod val="155000"/>
+                  </a:schemeClr>
+                </a:solidFill>
+                <a:effectLst>
+                  <a:outerShdw blurRad="41275" dist="20320" dir="1800000" algn="tl" rotWithShape="0">
+                    <a:srgbClr val="000000">
+                      <a:alpha val="40000"/>
+                    </a:srgbClr>
+                  </a:outerShdw>
+                </a:effectLst>
+                <a:latin typeface="Futura"/>
+                <a:cs typeface="Futura"/>
+              </a:rPr>
+              <a:t> </a:t>
+            </a:r>
+          </a:p>
+          <a:p>
+            <a:r>
+              <a:rPr lang="en-US" sz="1800" b="1" dirty="0">
+                <a:ln w="12700">
+                  <a:solidFill>
+                    <a:schemeClr val="tx2">
+                      <a:satMod val="155000"/>
+                    </a:schemeClr>
+                  </a:solidFill>
+                  <a:prstDash val="solid"/>
+                </a:ln>
+                <a:solidFill>
+                  <a:schemeClr val="bg2">
+                    <a:tint val="85000"/>
+                    <a:satMod val="155000"/>
+                  </a:schemeClr>
+                </a:solidFill>
+                <a:effectLst>
+                  <a:outerShdw blurRad="41275" dist="20320" dir="1800000" algn="tl" rotWithShape="0">
+                    <a:srgbClr val="000000">
+                      <a:alpha val="40000"/>
+                    </a:srgbClr>
+                  </a:outerShdw>
+                </a:effectLst>
+                <a:latin typeface="Futura"/>
+                <a:cs typeface="Futura"/>
+              </a:rPr>
+              <a:t>#project-oxygen-concentrator</a:t>
             </a:r>
           </a:p>
           <a:p>
@@ -3344,8 +3870,8 @@
         </p:nvSpPr>
         <p:spPr>
           <a:xfrm>
-            <a:off x="2768865" y="1526959"/>
-            <a:ext cx="6391922" cy="3416320"/>
+            <a:off x="2467993" y="1526959"/>
+            <a:ext cx="6471822" cy="3785652"/>
           </a:xfrm>
           <a:prstGeom prst="rect">
             <a:avLst/>
@@ -3362,22 +3888,10 @@
               <a:buNone/>
             </a:pPr>
             <a:r>
-              <a:rPr lang="en-US" sz="2400" b="1" dirty="0">
-                <a:solidFill>
-                  <a:schemeClr val="bg1">
-                    <a:lumMod val="95000"/>
-                  </a:schemeClr>
-                </a:solidFill>
-              </a:rPr>
+              <a:rPr lang="en-US" sz="2400" b="1" dirty="0"/>
               <a:t>Why</a:t>
             </a:r>
-            <a:endParaRPr lang="en-US" sz="2400" dirty="0">
-              <a:solidFill>
-                <a:schemeClr val="bg1">
-                  <a:lumMod val="95000"/>
-                </a:schemeClr>
-              </a:solidFill>
-            </a:endParaRPr>
+            <a:endParaRPr lang="en-US" sz="2400" dirty="0"/>
           </a:p>
           <a:p>
             <a:pPr marL="742950" lvl="1" indent="-285750" fontAlgn="ctr">
@@ -3385,14 +3899,8 @@
               <a:buChar char="•"/>
             </a:pPr>
             <a:r>
-              <a:rPr lang="en-US" sz="2400" dirty="0">
-                <a:solidFill>
-                  <a:schemeClr val="bg1">
-                    <a:lumMod val="95000"/>
-                  </a:schemeClr>
-                </a:solidFill>
-              </a:rPr>
-              <a:t>Ventilators need oxygen! </a:t>
+              <a:rPr lang="en-US" sz="2400" dirty="0"/>
+              <a:t>O2 needed for ventilators, oxygen therapy</a:t>
             </a:r>
           </a:p>
           <a:p>
@@ -3401,14 +3909,8 @@
               <a:buChar char="•"/>
             </a:pPr>
             <a:r>
-              <a:rPr lang="en-US" sz="2400" dirty="0">
-                <a:solidFill>
-                  <a:schemeClr val="bg1">
-                    <a:lumMod val="95000"/>
-                  </a:schemeClr>
-                </a:solidFill>
-              </a:rPr>
-              <a:t>Typical FiO2 0.3 … 1</a:t>
+              <a:rPr lang="en-US" sz="2400" dirty="0"/>
+              <a:t>Typical FiO2 0.3 … 0.5, up to 1</a:t>
             </a:r>
           </a:p>
           <a:p>
@@ -3417,14 +3919,8 @@
               <a:buChar char="•"/>
             </a:pPr>
             <a:r>
-              <a:rPr lang="en-US" sz="2400" dirty="0">
-                <a:solidFill>
-                  <a:schemeClr val="bg1">
-                    <a:lumMod val="95000"/>
-                  </a:schemeClr>
-                </a:solidFill>
-              </a:rPr>
-              <a:t>Oxygen generation is a big problem in developing countries. </a:t>
+              <a:rPr lang="en-US" sz="2400" dirty="0"/>
+              <a:t>Oxygen generation is a big problem in developing countries</a:t>
             </a:r>
           </a:p>
           <a:p>
@@ -3433,14 +3929,8 @@
               <a:buChar char="•"/>
             </a:pPr>
             <a:r>
-              <a:rPr lang="en-US" sz="2400" dirty="0">
-                <a:solidFill>
-                  <a:schemeClr val="bg1">
-                    <a:lumMod val="95000"/>
-                  </a:schemeClr>
-                </a:solidFill>
-              </a:rPr>
-              <a:t>No established infrastructure. </a:t>
+              <a:rPr lang="en-US" sz="2400" dirty="0"/>
+              <a:t>No established infrastructure</a:t>
             </a:r>
           </a:p>
           <a:p>
@@ -3449,13 +3939,7 @@
               <a:buChar char="•"/>
             </a:pPr>
             <a:r>
-              <a:rPr lang="en-US" sz="2400" dirty="0">
-                <a:solidFill>
-                  <a:schemeClr val="bg1">
-                    <a:lumMod val="95000"/>
-                  </a:schemeClr>
-                </a:solidFill>
-              </a:rPr>
+              <a:rPr lang="en-US" sz="2400" dirty="0"/>
               <a:t>Oxygen bottles are expensive</a:t>
             </a:r>
           </a:p>
@@ -3465,14 +3949,8 @@
               <a:buChar char="•"/>
             </a:pPr>
             <a:r>
-              <a:rPr lang="en-US" sz="2400" dirty="0">
-                <a:solidFill>
-                  <a:schemeClr val="bg1">
-                    <a:lumMod val="95000"/>
-                  </a:schemeClr>
-                </a:solidFill>
-              </a:rPr>
-              <a:t>People are already looking at alternative (local) ways for producing oxygen</a:t>
+              <a:rPr lang="en-US" sz="2400" dirty="0"/>
+              <a:t>People are already looking at alternative (local) ways for producing and delivering oxygen</a:t>
             </a:r>
           </a:p>
         </p:txBody>
@@ -3533,6 +4011,80 @@
               </a:rPr>
               <a:t>Project Apollo</a:t>
             </a:r>
+          </a:p>
+        </p:txBody>
+      </p:sp>
+      <p:sp>
+        <p:nvSpPr>
+          <p:cNvPr id="2" name="TextBox 1">
+            <a:extLst>
+              <a:ext uri="{FF2B5EF4-FFF2-40B4-BE49-F238E27FC236}">
+                <a16:creationId xmlns:a16="http://schemas.microsoft.com/office/drawing/2014/main" id="{9D1EE6E9-4908-4540-8170-1912B3F51158}"/>
+              </a:ext>
+            </a:extLst>
+          </p:cNvPr>
+          <p:cNvSpPr txBox="1"/>
+          <p:nvPr/>
+        </p:nvSpPr>
+        <p:spPr>
+          <a:xfrm>
+            <a:off x="1454970" y="5490679"/>
+            <a:ext cx="7114448" cy="827855"/>
+          </a:xfrm>
+          <a:prstGeom prst="rect">
+            <a:avLst/>
+          </a:prstGeom>
+          <a:noFill/>
+        </p:spPr>
+        <p:txBody>
+          <a:bodyPr wrap="none" rtlCol="0">
+            <a:spAutoFit/>
+          </a:bodyPr>
+          <a:lstStyle/>
+          <a:p>
+            <a:pPr>
+              <a:lnSpc>
+                <a:spcPct val="150000"/>
+              </a:lnSpc>
+            </a:pPr>
+            <a:r>
+              <a:rPr lang="en-US" sz="1100" dirty="0">
+                <a:hlinkClick r:id="rId4"/>
+              </a:rPr>
+              <a:t>https://www.economist.com/graphic-detail/2021/03/09/hospitals-are-running-out-of-oxygen-to-treat-covid-19-patients</a:t>
+            </a:r>
+            <a:r>
+              <a:rPr lang="en-US" sz="1100" dirty="0"/>
+              <a:t> </a:t>
+            </a:r>
+          </a:p>
+          <a:p>
+            <a:pPr>
+              <a:lnSpc>
+                <a:spcPct val="150000"/>
+              </a:lnSpc>
+            </a:pPr>
+            <a:r>
+              <a:rPr lang="en-US" sz="1100" dirty="0">
+                <a:hlinkClick r:id="rId5"/>
+              </a:rPr>
+              <a:t>https://www.cidrap.umn.edu/news-perspective/2021/03/who-sounds-alarm-over-covid-linked-oxygen-crisis</a:t>
+            </a:r>
+            <a:endParaRPr lang="en-US" sz="1100" dirty="0"/>
+          </a:p>
+          <a:p>
+            <a:pPr>
+              <a:lnSpc>
+                <a:spcPct val="150000"/>
+              </a:lnSpc>
+            </a:pPr>
+            <a:r>
+              <a:rPr lang="en-US" sz="1100" dirty="0">
+                <a:hlinkClick r:id="rId6"/>
+              </a:rPr>
+              <a:t>https://apnews.com/article/oxygen-crisis-africa-latin-america-eb0d2731a8613c1ae218db7d32a227a6</a:t>
+            </a:r>
+            <a:endParaRPr lang="en-US" sz="1100" dirty="0"/>
           </a:p>
         </p:txBody>
       </p:sp>
@@ -3658,22 +4210,10 @@
               <a:buNone/>
             </a:pPr>
             <a:r>
-              <a:rPr lang="en-US" sz="2400" b="1" dirty="0">
-                <a:solidFill>
-                  <a:schemeClr val="bg1">
-                    <a:lumMod val="95000"/>
-                  </a:schemeClr>
-                </a:solidFill>
-              </a:rPr>
+              <a:rPr lang="en-US" sz="2400" b="1" dirty="0"/>
               <a:t>What is it</a:t>
             </a:r>
-            <a:endParaRPr lang="en-US" sz="2400" dirty="0">
-              <a:solidFill>
-                <a:schemeClr val="bg1">
-                  <a:lumMod val="95000"/>
-                </a:schemeClr>
-              </a:solidFill>
-            </a:endParaRPr>
+            <a:endParaRPr lang="en-US" sz="2400" dirty="0"/>
           </a:p>
           <a:p>
             <a:pPr marL="742950" lvl="1" indent="-285750" fontAlgn="ctr">
@@ -3681,13 +4221,7 @@
               <a:buChar char="•"/>
             </a:pPr>
             <a:r>
-              <a:rPr lang="en-US" sz="2400" dirty="0">
-                <a:solidFill>
-                  <a:schemeClr val="bg1">
-                    <a:lumMod val="95000"/>
-                  </a:schemeClr>
-                </a:solidFill>
-              </a:rPr>
+              <a:rPr lang="en-US" sz="2400" dirty="0"/>
               <a:t>Goal = enabling people around the world to build the prototype ASAP</a:t>
             </a:r>
           </a:p>
@@ -3697,13 +4231,7 @@
               <a:buChar char="•"/>
             </a:pPr>
             <a:r>
-              <a:rPr lang="en-US" sz="2400" dirty="0">
-                <a:solidFill>
-                  <a:schemeClr val="bg1">
-                    <a:lumMod val="95000"/>
-                  </a:schemeClr>
-                </a:solidFill>
-              </a:rPr>
+              <a:rPr lang="en-US" sz="2400" dirty="0"/>
               <a:t>Focus = Simplicity and speed of build</a:t>
             </a:r>
           </a:p>
@@ -3713,13 +4241,7 @@
               <a:buChar char="•"/>
             </a:pPr>
             <a:r>
-              <a:rPr lang="en-US" sz="2400" dirty="0">
-                <a:solidFill>
-                  <a:schemeClr val="bg1">
-                    <a:lumMod val="95000"/>
-                  </a:schemeClr>
-                </a:solidFill>
-              </a:rPr>
+              <a:rPr lang="en-US" sz="2400" dirty="0"/>
               <a:t>Simple, reliable design (zeolite-based PSA system)</a:t>
             </a:r>
           </a:p>
@@ -3729,13 +4251,7 @@
               <a:buChar char="•"/>
             </a:pPr>
             <a:r>
-              <a:rPr lang="en-US" sz="2400" dirty="0">
-                <a:solidFill>
-                  <a:schemeClr val="bg1">
-                    <a:lumMod val="95000"/>
-                  </a:schemeClr>
-                </a:solidFill>
-              </a:rPr>
+              <a:rPr lang="en-US" sz="2400" dirty="0"/>
               <a:t>Flexible, open source, off-the-shelf materials</a:t>
             </a:r>
           </a:p>
@@ -3745,13 +4261,7 @@
               <a:buChar char="•"/>
             </a:pPr>
             <a:r>
-              <a:rPr lang="en-US" sz="2400" dirty="0">
-                <a:solidFill>
-                  <a:schemeClr val="bg1">
-                    <a:lumMod val="95000"/>
-                  </a:schemeClr>
-                </a:solidFill>
-              </a:rPr>
+              <a:rPr lang="en-US" sz="2400" dirty="0"/>
               <a:t>Very low cost (aspirational target = $200 for 15 liters/min @ 80%)</a:t>
             </a:r>
           </a:p>
@@ -3761,13 +4271,7 @@
               <a:buChar char="•"/>
             </a:pPr>
             <a:r>
-              <a:rPr lang="en-US" sz="2400" dirty="0">
-                <a:solidFill>
-                  <a:schemeClr val="bg1">
-                    <a:lumMod val="95000"/>
-                  </a:schemeClr>
-                </a:solidFill>
-              </a:rPr>
+              <a:rPr lang="en-US" sz="2400" dirty="0"/>
               <a:t>Final goal = Enable people to iterate and publish their own designs in the community</a:t>
             </a:r>
           </a:p>
@@ -4385,7 +4889,7 @@
         </p:spPr>
         <p:txBody>
           <a:bodyPr vert="horz" lIns="91440" tIns="45720" rIns="91440" bIns="45720" rtlCol="0">
-            <a:normAutofit fontScale="70000" lnSpcReduction="20000"/>
+            <a:normAutofit fontScale="62500" lnSpcReduction="20000"/>
           </a:bodyPr>
           <a:lstStyle>
             <a:lvl1pPr marL="342900" indent="-342900" algn="l" defTabSz="457200" rtl="0" eaLnBrk="1" latinLnBrk="0" hangingPunct="1">
@@ -4530,224 +5034,160 @@
               <a:buNone/>
             </a:pPr>
             <a:r>
-              <a:rPr lang="en-US" b="1" dirty="0">
-                <a:solidFill>
-                  <a:schemeClr val="bg1"/>
-                </a:solidFill>
-              </a:rPr>
-              <a:t>Apollo Control Box v4</a:t>
+              <a:rPr lang="en-US" b="1" dirty="0"/>
+              <a:t>Apollo v4</a:t>
             </a:r>
           </a:p>
           <a:p>
             <a:pPr lvl="1" fontAlgn="ctr"/>
+            <a:r>
+              <a:rPr lang="en-US" dirty="0"/>
+              <a:t>Focus = medical device</a:t>
+            </a:r>
+          </a:p>
+          <a:p>
+            <a:pPr lvl="2" fontAlgn="ctr"/>
+            <a:r>
+              <a:rPr lang="en-US" b="1" dirty="0"/>
+              <a:t>Safety</a:t>
+            </a:r>
+            <a:r>
+              <a:rPr lang="en-US" dirty="0"/>
+              <a:t>: detect all failure scenarios</a:t>
+            </a:r>
+          </a:p>
+          <a:p>
+            <a:pPr lvl="2" fontAlgn="ctr"/>
+            <a:r>
+              <a:rPr lang="en-US" b="1" dirty="0"/>
+              <a:t>Ease of use</a:t>
+            </a:r>
+            <a:r>
+              <a:rPr lang="en-US" dirty="0"/>
+              <a:t>: User experience and maintainability. Clear, actionable error messages</a:t>
+            </a:r>
+          </a:p>
+          <a:p>
+            <a:pPr lvl="2" fontAlgn="ctr"/>
+            <a:r>
+              <a:rPr lang="en-US" dirty="0"/>
+              <a:t>Self-regulating: Patient sensor/data feedback loop</a:t>
+            </a:r>
+          </a:p>
+          <a:p>
+            <a:pPr lvl="1" fontAlgn="ctr"/>
+            <a:r>
+              <a:rPr lang="en-US" dirty="0"/>
+              <a:t>Control box</a:t>
+            </a:r>
+          </a:p>
+          <a:p>
+            <a:pPr lvl="2" fontAlgn="ctr"/>
+            <a:r>
+              <a:rPr lang="en-US" dirty="0"/>
+              <a:t>Touch screen for diagnostic messages, medical-grade buzzer </a:t>
+            </a:r>
+          </a:p>
+          <a:p>
+            <a:pPr lvl="2" fontAlgn="ctr"/>
+            <a:r>
+              <a:rPr lang="en-US" dirty="0"/>
+              <a:t>Open source, modular PCB design. Works with a variety of sensors</a:t>
+            </a:r>
+          </a:p>
+          <a:p>
+            <a:pPr lvl="2" fontAlgn="ctr"/>
+            <a:r>
+              <a:rPr lang="en-US" b="1" dirty="0"/>
+              <a:t>Self-tuning:</a:t>
+            </a:r>
+            <a:r>
+              <a:rPr lang="en-US" dirty="0"/>
+              <a:t> valve timing, auto-adjusts to changes in compressed air input pressure, machine learning</a:t>
+            </a:r>
+          </a:p>
+          <a:p>
+            <a:pPr lvl="2" fontAlgn="ctr"/>
+            <a:r>
+              <a:rPr lang="en-US" dirty="0"/>
+              <a:t>Integration with SpO2 oximeter Bluetooth sensor</a:t>
+            </a:r>
+          </a:p>
+          <a:p>
+            <a:pPr lvl="2" fontAlgn="ctr"/>
+            <a:r>
+              <a:rPr lang="en-US" dirty="0"/>
+              <a:t>Cloud data integration for patient monitoring </a:t>
+            </a:r>
+          </a:p>
+          <a:p>
+            <a:pPr lvl="1" fontAlgn="ctr"/>
+            <a:r>
+              <a:rPr lang="en-US" dirty="0"/>
+              <a:t>Self-contained enclosure</a:t>
+            </a:r>
+          </a:p>
+          <a:p>
+            <a:pPr lvl="2" fontAlgn="ctr"/>
+            <a:r>
+              <a:rPr lang="en-US" dirty="0"/>
+              <a:t>Built-in compressor</a:t>
+            </a:r>
+          </a:p>
+          <a:p>
+            <a:pPr lvl="2" fontAlgn="ctr"/>
+            <a:r>
+              <a:rPr lang="en-US" dirty="0"/>
+              <a:t>Full focus on thermals, airflow, noise reduction </a:t>
+            </a:r>
+          </a:p>
+          <a:p>
+            <a:pPr marL="0" indent="0" fontAlgn="ctr">
+              <a:buFont typeface="Arial"/>
+              <a:buNone/>
+            </a:pPr>
+            <a:r>
+              <a:rPr lang="en-US" b="1" dirty="0"/>
+              <a:t>Collaborations</a:t>
+            </a:r>
+            <a:endParaRPr lang="en-US" dirty="0"/>
+          </a:p>
+          <a:p>
+            <a:pPr lvl="1" fontAlgn="ctr"/>
+            <a:r>
+              <a:rPr lang="en-US" dirty="0"/>
+              <a:t>Funding: Quick2space.org</a:t>
+            </a:r>
+          </a:p>
+          <a:p>
+            <a:pPr lvl="1" fontAlgn="ctr"/>
+            <a:r>
+              <a:rPr lang="en-US" dirty="0"/>
+              <a:t>Volunteers: Helpful Engineering, Microsoft Garage, Public Invention</a:t>
+            </a:r>
+          </a:p>
+          <a:p>
+            <a:pPr marL="0" indent="0">
+              <a:buFont typeface="Arial"/>
+              <a:buNone/>
+            </a:pPr>
+            <a:r>
+              <a:rPr lang="en-US" b="1" dirty="0"/>
+              <a:t>Documentation, code</a:t>
+            </a:r>
+            <a:r>
+              <a:rPr lang="en-US" dirty="0"/>
+              <a:t> </a:t>
+            </a:r>
+          </a:p>
+          <a:p>
+            <a:pPr marL="457200" lvl="1" indent="0">
+              <a:buNone/>
+            </a:pPr>
             <a:r>
               <a:rPr lang="en-US" dirty="0">
                 <a:solidFill>
-                  <a:schemeClr val="bg1"/>
-                </a:solidFill>
-              </a:rPr>
-              <a:t>Focus = medical device</a:t>
-            </a:r>
-          </a:p>
-          <a:p>
-            <a:pPr lvl="2" fontAlgn="ctr"/>
-            <a:r>
-              <a:rPr lang="en-US" b="1" dirty="0">
-                <a:solidFill>
-                  <a:schemeClr val="bg1"/>
-                </a:solidFill>
-              </a:rPr>
-              <a:t>Safety</a:t>
-            </a:r>
-            <a:r>
-              <a:rPr lang="en-US" dirty="0">
-                <a:solidFill>
-                  <a:schemeClr val="bg1"/>
-                </a:solidFill>
-              </a:rPr>
-              <a:t>: detect all failure scenarios</a:t>
-            </a:r>
-          </a:p>
-          <a:p>
-            <a:pPr lvl="2" fontAlgn="ctr"/>
-            <a:r>
-              <a:rPr lang="en-US" b="1" dirty="0">
-                <a:solidFill>
-                  <a:schemeClr val="bg1"/>
-                </a:solidFill>
-              </a:rPr>
-              <a:t>Ease of use</a:t>
-            </a:r>
-            <a:r>
-              <a:rPr lang="en-US" dirty="0">
-                <a:solidFill>
-                  <a:schemeClr val="bg1"/>
-                </a:solidFill>
-              </a:rPr>
-              <a:t>: User experience and maintainability. Clear, actionable error messages</a:t>
-            </a:r>
-          </a:p>
-          <a:p>
-            <a:pPr lvl="2" fontAlgn="ctr"/>
-            <a:r>
-              <a:rPr lang="en-US" dirty="0">
-                <a:solidFill>
-                  <a:schemeClr val="bg1"/>
-                </a:solidFill>
-              </a:rPr>
-              <a:t>Self-regulating: Patient sensor/data feedback loop</a:t>
-            </a:r>
-          </a:p>
-          <a:p>
-            <a:pPr lvl="1" fontAlgn="ctr"/>
-            <a:r>
-              <a:rPr lang="en-US" dirty="0">
-                <a:solidFill>
-                  <a:schemeClr val="bg1"/>
-                </a:solidFill>
-              </a:rPr>
-              <a:t>Prototype: Self-contained control box</a:t>
-            </a:r>
-          </a:p>
-          <a:p>
-            <a:pPr lvl="2" fontAlgn="ctr"/>
-            <a:r>
-              <a:rPr lang="en-US" dirty="0">
-                <a:solidFill>
-                  <a:schemeClr val="bg1"/>
-                </a:solidFill>
-              </a:rPr>
-              <a:t>Touch screen for diagnostic messages, medical-grade buzzer </a:t>
-            </a:r>
-          </a:p>
-          <a:p>
-            <a:pPr lvl="2" fontAlgn="ctr"/>
-            <a:r>
-              <a:rPr lang="en-US" dirty="0">
-                <a:solidFill>
-                  <a:schemeClr val="bg1"/>
-                </a:solidFill>
-              </a:rPr>
-              <a:t>Open source, modular PCB design. Works with a variety of sensors</a:t>
-            </a:r>
-          </a:p>
-          <a:p>
-            <a:pPr lvl="2" fontAlgn="ctr"/>
-            <a:r>
-              <a:rPr lang="en-US" b="1" dirty="0">
-                <a:solidFill>
-                  <a:schemeClr val="bg1"/>
-                </a:solidFill>
-              </a:rPr>
-              <a:t>Self-tuning:</a:t>
-            </a:r>
-            <a:r>
-              <a:rPr lang="en-US" dirty="0">
-                <a:solidFill>
-                  <a:schemeClr val="bg1"/>
-                </a:solidFill>
-              </a:rPr>
-              <a:t> valve timing, auto-adjusts to changes in compressed air input pressure, machine learning</a:t>
-            </a:r>
-          </a:p>
-          <a:p>
-            <a:pPr lvl="2" fontAlgn="ctr"/>
-            <a:r>
-              <a:rPr lang="en-US" dirty="0">
-                <a:solidFill>
-                  <a:schemeClr val="bg1"/>
-                </a:solidFill>
-              </a:rPr>
-              <a:t>Integration with SpO2 oximeter Bluetooth sensor</a:t>
-            </a:r>
-          </a:p>
-          <a:p>
-            <a:pPr lvl="2" fontAlgn="ctr"/>
-            <a:r>
-              <a:rPr lang="en-US" dirty="0">
-                <a:solidFill>
-                  <a:schemeClr val="bg1"/>
-                </a:solidFill>
-              </a:rPr>
-              <a:t>Cloud data integration for patient monitoring </a:t>
-            </a:r>
-          </a:p>
-          <a:p>
-            <a:pPr marL="0" indent="0" fontAlgn="ctr">
-              <a:buFont typeface="Arial"/>
-              <a:buNone/>
-            </a:pPr>
-            <a:r>
-              <a:rPr lang="en-US" b="1" dirty="0">
-                <a:solidFill>
-                  <a:schemeClr val="bg1"/>
-                </a:solidFill>
-              </a:rPr>
-              <a:t>Collaborations</a:t>
-            </a:r>
-            <a:endParaRPr lang="en-US" dirty="0">
-              <a:solidFill>
-                <a:schemeClr val="bg1"/>
-              </a:solidFill>
-            </a:endParaRPr>
-          </a:p>
-          <a:p>
-            <a:pPr lvl="1" fontAlgn="ctr"/>
-            <a:r>
-              <a:rPr lang="en-US" dirty="0">
-                <a:solidFill>
-                  <a:schemeClr val="bg1"/>
-                </a:solidFill>
-              </a:rPr>
-              <a:t>Helpful Engineering, Public Invention, </a:t>
-            </a:r>
-            <a:r>
-              <a:rPr lang="en-US" dirty="0" err="1">
-                <a:solidFill>
-                  <a:schemeClr val="bg1"/>
-                </a:solidFill>
-              </a:rPr>
-              <a:t>Oxikit</a:t>
-            </a:r>
-            <a:r>
-              <a:rPr lang="en-US" dirty="0">
-                <a:solidFill>
-                  <a:schemeClr val="bg1"/>
-                </a:solidFill>
-              </a:rPr>
-              <a:t>, Microsoft Garage, Quick2space.org</a:t>
-            </a:r>
-          </a:p>
-          <a:p>
-            <a:pPr marL="0" indent="0">
-              <a:buFont typeface="Arial"/>
-              <a:buNone/>
-            </a:pPr>
-            <a:r>
-              <a:rPr lang="en-US" b="1" dirty="0">
-                <a:solidFill>
-                  <a:schemeClr val="bg1"/>
-                </a:solidFill>
-              </a:rPr>
-              <a:t>Documentation, code</a:t>
-            </a:r>
-            <a:r>
-              <a:rPr lang="en-US" dirty="0">
-                <a:solidFill>
-                  <a:schemeClr val="bg1"/>
-                </a:solidFill>
-              </a:rPr>
-              <a:t> </a:t>
-            </a:r>
-          </a:p>
-          <a:p>
-            <a:pPr marL="457200" lvl="1" indent="0">
-              <a:buNone/>
-            </a:pPr>
-            <a:r>
-              <a:rPr lang="en-US" dirty="0">
-                <a:solidFill>
-                  <a:schemeClr val="accent5">
+                  <a:schemeClr val="accent1">
                     <a:lumMod val="75000"/>
                   </a:schemeClr>
                 </a:solidFill>
@@ -4763,7 +5203,7 @@
             </a:r>
             <a:endParaRPr lang="en-US" dirty="0">
               <a:solidFill>
-                <a:schemeClr val="accent5">
+                <a:schemeClr val="accent1">
                   <a:lumMod val="75000"/>
                 </a:schemeClr>
               </a:solidFill>
@@ -4785,6 +5225,433 @@
 </file>
 
 <file path=ppt/slides/slide6.xml><?xml version="1.0" encoding="utf-8"?>
+<p:sld xmlns:a="http://schemas.openxmlformats.org/drawingml/2006/main" xmlns:r="http://schemas.openxmlformats.org/officeDocument/2006/relationships" xmlns:p="http://schemas.openxmlformats.org/presentationml/2006/main">
+  <p:cSld>
+    <p:spTree>
+      <p:nvGrpSpPr>
+        <p:cNvPr id="1" name=""/>
+        <p:cNvGrpSpPr/>
+        <p:nvPr/>
+      </p:nvGrpSpPr>
+      <p:grpSpPr>
+        <a:xfrm>
+          <a:off x="0" y="0"/>
+          <a:ext cx="0" cy="0"/>
+          <a:chOff x="0" y="0"/>
+          <a:chExt cx="0" cy="0"/>
+        </a:xfrm>
+      </p:grpSpPr>
+      <p:pic>
+        <p:nvPicPr>
+          <p:cNvPr id="4" name="Picture 3" descr="slide_template_blue_smaller.gif"/>
+          <p:cNvPicPr>
+            <a:picLocks noChangeAspect="1"/>
+          </p:cNvPicPr>
+          <p:nvPr/>
+        </p:nvPicPr>
+        <p:blipFill>
+          <a:blip r:embed="rId3">
+            <a:extLst>
+              <a:ext uri="{28A0092B-C50C-407E-A947-70E740481C1C}">
+                <a14:useLocalDpi xmlns:a14="http://schemas.microsoft.com/office/drawing/2010/main" val="0"/>
+              </a:ext>
+            </a:extLst>
+          </a:blip>
+          <a:stretch>
+            <a:fillRect/>
+          </a:stretch>
+        </p:blipFill>
+        <p:spPr>
+          <a:xfrm>
+            <a:off x="0" y="0"/>
+            <a:ext cx="9144000" cy="7178361"/>
+          </a:xfrm>
+          <a:prstGeom prst="rect">
+            <a:avLst/>
+          </a:prstGeom>
+        </p:spPr>
+      </p:pic>
+      <p:sp>
+        <p:nvSpPr>
+          <p:cNvPr id="7" name="TextBox 6">
+            <a:extLst>
+              <a:ext uri="{FF2B5EF4-FFF2-40B4-BE49-F238E27FC236}">
+                <a16:creationId xmlns:a16="http://schemas.microsoft.com/office/drawing/2014/main" id="{9A0437A9-39BA-4C79-A1DE-46B4C5B9CF07}"/>
+              </a:ext>
+            </a:extLst>
+          </p:cNvPr>
+          <p:cNvSpPr txBox="1"/>
+          <p:nvPr/>
+        </p:nvSpPr>
+        <p:spPr>
+          <a:xfrm>
+            <a:off x="2564960" y="192877"/>
+            <a:ext cx="5318289" cy="707886"/>
+          </a:xfrm>
+          <a:prstGeom prst="rect">
+            <a:avLst/>
+          </a:prstGeom>
+          <a:noFill/>
+        </p:spPr>
+        <p:txBody>
+          <a:bodyPr wrap="square" rtlCol="0">
+            <a:spAutoFit/>
+          </a:bodyPr>
+          <a:lstStyle/>
+          <a:p>
+            <a:r>
+              <a:rPr lang="en-US" sz="4000" b="1" dirty="0">
+                <a:ln w="12700">
+                  <a:solidFill>
+                    <a:schemeClr val="tx2">
+                      <a:satMod val="155000"/>
+                    </a:schemeClr>
+                  </a:solidFill>
+                  <a:prstDash val="solid"/>
+                </a:ln>
+                <a:solidFill>
+                  <a:schemeClr val="bg2">
+                    <a:tint val="85000"/>
+                    <a:satMod val="155000"/>
+                  </a:schemeClr>
+                </a:solidFill>
+                <a:effectLst>
+                  <a:outerShdw blurRad="41275" dist="20320" dir="1800000" algn="tl" rotWithShape="0">
+                    <a:srgbClr val="000000">
+                      <a:alpha val="40000"/>
+                    </a:srgbClr>
+                  </a:outerShdw>
+                </a:effectLst>
+                <a:latin typeface="Futura"/>
+                <a:cs typeface="Futura"/>
+              </a:rPr>
+              <a:t>Project Apollo v4</a:t>
+            </a:r>
+          </a:p>
+        </p:txBody>
+      </p:sp>
+      <p:pic>
+        <p:nvPicPr>
+          <p:cNvPr id="8" name="Picture 2">
+            <a:extLst>
+              <a:ext uri="{FF2B5EF4-FFF2-40B4-BE49-F238E27FC236}">
+                <a16:creationId xmlns:a16="http://schemas.microsoft.com/office/drawing/2014/main" id="{44E2C9B1-508F-44B9-BBA5-F617A5D9B305}"/>
+              </a:ext>
+            </a:extLst>
+          </p:cNvPr>
+          <p:cNvPicPr>
+            <a:picLocks noChangeAspect="1" noChangeArrowheads="1"/>
+          </p:cNvPicPr>
+          <p:nvPr/>
+        </p:nvPicPr>
+        <p:blipFill>
+          <a:blip r:embed="rId4">
+            <a:extLst>
+              <a:ext uri="{28A0092B-C50C-407E-A947-70E740481C1C}">
+                <a14:useLocalDpi xmlns:a14="http://schemas.microsoft.com/office/drawing/2010/main" val="0"/>
+              </a:ext>
+            </a:extLst>
+          </a:blip>
+          <a:srcRect/>
+          <a:stretch>
+            <a:fillRect/>
+          </a:stretch>
+        </p:blipFill>
+        <p:spPr bwMode="auto">
+          <a:xfrm>
+            <a:off x="3123838" y="1174100"/>
+            <a:ext cx="2641640" cy="3522187"/>
+          </a:xfrm>
+          <a:prstGeom prst="rect">
+            <a:avLst/>
+          </a:prstGeom>
+          <a:noFill/>
+          <a:extLst>
+            <a:ext uri="{909E8E84-426E-40DD-AFC4-6F175D3DCCD1}">
+              <a14:hiddenFill xmlns:a14="http://schemas.microsoft.com/office/drawing/2010/main">
+                <a:solidFill>
+                  <a:srgbClr val="FFFFFF"/>
+                </a:solidFill>
+              </a14:hiddenFill>
+            </a:ext>
+          </a:extLst>
+        </p:spPr>
+      </p:pic>
+      <p:pic>
+        <p:nvPicPr>
+          <p:cNvPr id="9" name="Picture 4">
+            <a:extLst>
+              <a:ext uri="{FF2B5EF4-FFF2-40B4-BE49-F238E27FC236}">
+                <a16:creationId xmlns:a16="http://schemas.microsoft.com/office/drawing/2014/main" id="{591A5F16-E77E-4548-B7AE-3BC851157697}"/>
+              </a:ext>
+            </a:extLst>
+          </p:cNvPr>
+          <p:cNvPicPr>
+            <a:picLocks noChangeAspect="1" noChangeArrowheads="1"/>
+          </p:cNvPicPr>
+          <p:nvPr/>
+        </p:nvPicPr>
+        <p:blipFill>
+          <a:blip r:embed="rId5">
+            <a:extLst>
+              <a:ext uri="{28A0092B-C50C-407E-A947-70E740481C1C}">
+                <a14:useLocalDpi xmlns:a14="http://schemas.microsoft.com/office/drawing/2010/main" val="0"/>
+              </a:ext>
+            </a:extLst>
+          </a:blip>
+          <a:srcRect/>
+          <a:stretch>
+            <a:fillRect/>
+          </a:stretch>
+        </p:blipFill>
+        <p:spPr bwMode="auto">
+          <a:xfrm>
+            <a:off x="5933428" y="1174100"/>
+            <a:ext cx="3107557" cy="2330668"/>
+          </a:xfrm>
+          <a:prstGeom prst="rect">
+            <a:avLst/>
+          </a:prstGeom>
+          <a:noFill/>
+          <a:extLst>
+            <a:ext uri="{909E8E84-426E-40DD-AFC4-6F175D3DCCD1}">
+              <a14:hiddenFill xmlns:a14="http://schemas.microsoft.com/office/drawing/2010/main">
+                <a:solidFill>
+                  <a:srgbClr val="FFFFFF"/>
+                </a:solidFill>
+              </a14:hiddenFill>
+            </a:ext>
+          </a:extLst>
+        </p:spPr>
+      </p:pic>
+      <p:pic>
+        <p:nvPicPr>
+          <p:cNvPr id="10" name="Picture 9">
+            <a:extLst>
+              <a:ext uri="{FF2B5EF4-FFF2-40B4-BE49-F238E27FC236}">
+                <a16:creationId xmlns:a16="http://schemas.microsoft.com/office/drawing/2014/main" id="{ADC19549-19D9-4207-93F7-510BF65D6977}"/>
+              </a:ext>
+            </a:extLst>
+          </p:cNvPr>
+          <p:cNvPicPr>
+            <a:picLocks noChangeAspect="1"/>
+          </p:cNvPicPr>
+          <p:nvPr/>
+        </p:nvPicPr>
+        <p:blipFill>
+          <a:blip r:embed="rId6"/>
+          <a:stretch>
+            <a:fillRect/>
+          </a:stretch>
+        </p:blipFill>
+        <p:spPr>
+          <a:xfrm>
+            <a:off x="326196" y="1174100"/>
+            <a:ext cx="2636677" cy="3522187"/>
+          </a:xfrm>
+          <a:prstGeom prst="rect">
+            <a:avLst/>
+          </a:prstGeom>
+        </p:spPr>
+      </p:pic>
+      <p:pic>
+        <p:nvPicPr>
+          <p:cNvPr id="11" name="Picture 10">
+            <a:extLst>
+              <a:ext uri="{FF2B5EF4-FFF2-40B4-BE49-F238E27FC236}">
+                <a16:creationId xmlns:a16="http://schemas.microsoft.com/office/drawing/2014/main" id="{BE9225A6-CBCA-4FA5-9518-301E0706AAB5}"/>
+              </a:ext>
+            </a:extLst>
+          </p:cNvPr>
+          <p:cNvPicPr>
+            <a:picLocks noChangeAspect="1"/>
+          </p:cNvPicPr>
+          <p:nvPr/>
+        </p:nvPicPr>
+        <p:blipFill>
+          <a:blip r:embed="rId7"/>
+          <a:stretch>
+            <a:fillRect/>
+          </a:stretch>
+        </p:blipFill>
+        <p:spPr>
+          <a:xfrm>
+            <a:off x="5933428" y="3643123"/>
+            <a:ext cx="3107556" cy="2378381"/>
+          </a:xfrm>
+          <a:prstGeom prst="rect">
+            <a:avLst/>
+          </a:prstGeom>
+        </p:spPr>
+      </p:pic>
+      <p:pic>
+        <p:nvPicPr>
+          <p:cNvPr id="12" name="Picture 11">
+            <a:extLst>
+              <a:ext uri="{FF2B5EF4-FFF2-40B4-BE49-F238E27FC236}">
+                <a16:creationId xmlns:a16="http://schemas.microsoft.com/office/drawing/2014/main" id="{8DE06E0F-CD65-4E2C-8F1B-FA2F7C173F4D}"/>
+              </a:ext>
+            </a:extLst>
+          </p:cNvPr>
+          <p:cNvPicPr>
+            <a:picLocks noChangeAspect="1"/>
+          </p:cNvPicPr>
+          <p:nvPr/>
+        </p:nvPicPr>
+        <p:blipFill>
+          <a:blip r:embed="rId8"/>
+          <a:stretch>
+            <a:fillRect/>
+          </a:stretch>
+        </p:blipFill>
+        <p:spPr>
+          <a:xfrm>
+            <a:off x="326195" y="4874500"/>
+            <a:ext cx="2636677" cy="2036937"/>
+          </a:xfrm>
+          <a:prstGeom prst="rect">
+            <a:avLst/>
+          </a:prstGeom>
+        </p:spPr>
+      </p:pic>
+      <p:pic>
+        <p:nvPicPr>
+          <p:cNvPr id="13" name="Picture 12">
+            <a:extLst>
+              <a:ext uri="{FF2B5EF4-FFF2-40B4-BE49-F238E27FC236}">
+                <a16:creationId xmlns:a16="http://schemas.microsoft.com/office/drawing/2014/main" id="{7805CB0B-D68D-401B-BC3A-9DEFD09B9300}"/>
+              </a:ext>
+            </a:extLst>
+          </p:cNvPr>
+          <p:cNvPicPr>
+            <a:picLocks noChangeAspect="1"/>
+          </p:cNvPicPr>
+          <p:nvPr/>
+        </p:nvPicPr>
+        <p:blipFill>
+          <a:blip r:embed="rId9"/>
+          <a:stretch>
+            <a:fillRect/>
+          </a:stretch>
+        </p:blipFill>
+        <p:spPr>
+          <a:xfrm>
+            <a:off x="3123838" y="4874500"/>
+            <a:ext cx="2100266" cy="2065877"/>
+          </a:xfrm>
+          <a:prstGeom prst="rect">
+            <a:avLst/>
+          </a:prstGeom>
+        </p:spPr>
+      </p:pic>
+      <p:sp>
+        <p:nvSpPr>
+          <p:cNvPr id="14" name="TextBox 13">
+            <a:extLst>
+              <a:ext uri="{FF2B5EF4-FFF2-40B4-BE49-F238E27FC236}">
+                <a16:creationId xmlns:a16="http://schemas.microsoft.com/office/drawing/2014/main" id="{B1210269-3FB1-46A7-B2D7-9DD0D6528487}"/>
+              </a:ext>
+            </a:extLst>
+          </p:cNvPr>
+          <p:cNvSpPr txBox="1"/>
+          <p:nvPr/>
+        </p:nvSpPr>
+        <p:spPr>
+          <a:xfrm>
+            <a:off x="5513034" y="6292502"/>
+            <a:ext cx="3030217" cy="369332"/>
+          </a:xfrm>
+          <a:prstGeom prst="rect">
+            <a:avLst/>
+          </a:prstGeom>
+          <a:noFill/>
+        </p:spPr>
+        <p:txBody>
+          <a:bodyPr wrap="square">
+            <a:spAutoFit/>
+          </a:bodyPr>
+          <a:lstStyle/>
+          <a:p>
+            <a:r>
+              <a:rPr lang="en-US" b="1" dirty="0">
+                <a:ln w="12700">
+                  <a:solidFill>
+                    <a:schemeClr val="tx2">
+                      <a:satMod val="155000"/>
+                    </a:schemeClr>
+                  </a:solidFill>
+                  <a:prstDash val="solid"/>
+                </a:ln>
+                <a:solidFill>
+                  <a:schemeClr val="tx2">
+                    <a:lumMod val="40000"/>
+                    <a:lumOff val="60000"/>
+                  </a:schemeClr>
+                </a:solidFill>
+                <a:effectLst>
+                  <a:outerShdw blurRad="41275" dist="20320" dir="1800000" algn="tl" rotWithShape="0">
+                    <a:srgbClr val="000000">
+                      <a:alpha val="40000"/>
+                    </a:srgbClr>
+                  </a:outerShdw>
+                </a:effectLst>
+                <a:latin typeface="Futura"/>
+                <a:cs typeface="Futura"/>
+                <a:hlinkClick r:id="rId10">
+                  <a:extLst>
+                    <a:ext uri="{A12FA001-AC4F-418D-AE19-62706E023703}">
+                      <ahyp:hlinkClr xmlns:ahyp="http://schemas.microsoft.com/office/drawing/2018/hyperlinkcolor" val="tx"/>
+                    </a:ext>
+                  </a:extLst>
+                </a:hlinkClick>
+              </a:rPr>
+              <a:t>http://project-apollo.org</a:t>
+            </a:r>
+            <a:r>
+              <a:rPr lang="en-US" b="1" dirty="0">
+                <a:ln w="12700">
+                  <a:solidFill>
+                    <a:schemeClr val="tx2">
+                      <a:satMod val="155000"/>
+                    </a:schemeClr>
+                  </a:solidFill>
+                  <a:prstDash val="solid"/>
+                </a:ln>
+                <a:solidFill>
+                  <a:schemeClr val="tx2">
+                    <a:lumMod val="40000"/>
+                    <a:lumOff val="60000"/>
+                  </a:schemeClr>
+                </a:solidFill>
+                <a:effectLst>
+                  <a:outerShdw blurRad="41275" dist="20320" dir="1800000" algn="tl" rotWithShape="0">
+                    <a:srgbClr val="000000">
+                      <a:alpha val="40000"/>
+                    </a:srgbClr>
+                  </a:outerShdw>
+                </a:effectLst>
+                <a:latin typeface="Futura"/>
+                <a:cs typeface="Futura"/>
+              </a:rPr>
+              <a:t> </a:t>
+            </a:r>
+          </a:p>
+        </p:txBody>
+      </p:sp>
+    </p:spTree>
+    <p:extLst>
+      <p:ext uri="{BB962C8B-B14F-4D97-AF65-F5344CB8AC3E}">
+        <p14:creationId xmlns:p14="http://schemas.microsoft.com/office/powerpoint/2010/main" val="3968896892"/>
+      </p:ext>
+    </p:extLst>
+  </p:cSld>
+  <p:clrMapOvr>
+    <a:masterClrMapping/>
+  </p:clrMapOvr>
+</p:sld>
+</file>
+
+<file path=ppt/slides/slide7.xml><?xml version="1.0" encoding="utf-8"?>
 <p:sld xmlns:a="http://schemas.openxmlformats.org/drawingml/2006/main" xmlns:r="http://schemas.openxmlformats.org/officeDocument/2006/relationships" xmlns:p="http://schemas.openxmlformats.org/presentationml/2006/main">
   <p:cSld>
     <p:spTree>
@@ -5246,4 +6113,299 @@
   </a:objectDefaults>
   <a:extraClrSchemeLst/>
 </a:theme>
+</file>
+
+<file path=ppt/theme/theme2.xml><?xml version="1.0" encoding="utf-8"?>
+<a:theme xmlns:a="http://schemas.openxmlformats.org/drawingml/2006/main" name="Office Theme">
+  <a:themeElements>
+    <a:clrScheme name="Office">
+      <a:dk1>
+        <a:sysClr val="windowText" lastClr="000000"/>
+      </a:dk1>
+      <a:lt1>
+        <a:sysClr val="window" lastClr="FFFFFF"/>
+      </a:lt1>
+      <a:dk2>
+        <a:srgbClr val="44546A"/>
+      </a:dk2>
+      <a:lt2>
+        <a:srgbClr val="E7E6E6"/>
+      </a:lt2>
+      <a:accent1>
+        <a:srgbClr val="4472C4"/>
+      </a:accent1>
+      <a:accent2>
+        <a:srgbClr val="ED7D31"/>
+      </a:accent2>
+      <a:accent3>
+        <a:srgbClr val="A5A5A5"/>
+      </a:accent3>
+      <a:accent4>
+        <a:srgbClr val="FFC000"/>
+      </a:accent4>
+      <a:accent5>
+        <a:srgbClr val="5B9BD5"/>
+      </a:accent5>
+      <a:accent6>
+        <a:srgbClr val="70AD47"/>
+      </a:accent6>
+      <a:hlink>
+        <a:srgbClr val="0563C1"/>
+      </a:hlink>
+      <a:folHlink>
+        <a:srgbClr val="954F72"/>
+      </a:folHlink>
+    </a:clrScheme>
+    <a:fontScheme name="Office">
+      <a:majorFont>
+        <a:latin typeface="Calibri Light" panose="020F0302020204030204"/>
+        <a:ea typeface=""/>
+        <a:cs typeface=""/>
+        <a:font script="Jpan" typeface="游ゴシック Light"/>
+        <a:font script="Hang" typeface="맑은 고딕"/>
+        <a:font script="Hans" typeface="等线 Light"/>
+        <a:font script="Hant" typeface="新細明體"/>
+        <a:font script="Arab" typeface="Times New Roman"/>
+        <a:font script="Hebr" typeface="Times New Roman"/>
+        <a:font script="Thai" typeface="Angsana New"/>
+        <a:font script="Ethi" typeface="Nyala"/>
+        <a:font script="Beng" typeface="Vrinda"/>
+        <a:font script="Gujr" typeface="Shruti"/>
+        <a:font script="Khmr" typeface="MoolBoran"/>
+        <a:font script="Knda" typeface="Tunga"/>
+        <a:font script="Guru" typeface="Raavi"/>
+        <a:font script="Cans" typeface="Euphemia"/>
+        <a:font script="Cher" typeface="Plantagenet Cherokee"/>
+        <a:font script="Yiii" typeface="Microsoft Yi Baiti"/>
+        <a:font script="Tibt" typeface="Microsoft Himalaya"/>
+        <a:font script="Thaa" typeface="MV Boli"/>
+        <a:font script="Deva" typeface="Mangal"/>
+        <a:font script="Telu" typeface="Gautami"/>
+        <a:font script="Taml" typeface="Latha"/>
+        <a:font script="Syrc" typeface="Estrangelo Edessa"/>
+        <a:font script="Orya" typeface="Kalinga"/>
+        <a:font script="Mlym" typeface="Kartika"/>
+        <a:font script="Laoo" typeface="DokChampa"/>
+        <a:font script="Sinh" typeface="Iskoola Pota"/>
+        <a:font script="Mong" typeface="Mongolian Baiti"/>
+        <a:font script="Viet" typeface="Times New Roman"/>
+        <a:font script="Uigh" typeface="Microsoft Uighur"/>
+        <a:font script="Geor" typeface="Sylfaen"/>
+        <a:font script="Armn" typeface="Arial"/>
+        <a:font script="Bugi" typeface="Leelawadee UI"/>
+        <a:font script="Bopo" typeface="Microsoft JhengHei"/>
+        <a:font script="Java" typeface="Javanese Text"/>
+        <a:font script="Lisu" typeface="Segoe UI"/>
+        <a:font script="Mymr" typeface="Myanmar Text"/>
+        <a:font script="Nkoo" typeface="Ebrima"/>
+        <a:font script="Olck" typeface="Nirmala UI"/>
+        <a:font script="Osma" typeface="Ebrima"/>
+        <a:font script="Phag" typeface="Phagspa"/>
+        <a:font script="Syrn" typeface="Estrangelo Edessa"/>
+        <a:font script="Syrj" typeface="Estrangelo Edessa"/>
+        <a:font script="Syre" typeface="Estrangelo Edessa"/>
+        <a:font script="Sora" typeface="Nirmala UI"/>
+        <a:font script="Tale" typeface="Microsoft Tai Le"/>
+        <a:font script="Talu" typeface="Microsoft New Tai Lue"/>
+        <a:font script="Tfng" typeface="Ebrima"/>
+      </a:majorFont>
+      <a:minorFont>
+        <a:latin typeface="Calibri" panose="020F0502020204030204"/>
+        <a:ea typeface=""/>
+        <a:cs typeface=""/>
+        <a:font script="Jpan" typeface="游ゴシック"/>
+        <a:font script="Hang" typeface="맑은 고딕"/>
+        <a:font script="Hans" typeface="等线"/>
+        <a:font script="Hant" typeface="新細明體"/>
+        <a:font script="Arab" typeface="Arial"/>
+        <a:font script="Hebr" typeface="Arial"/>
+        <a:font script="Thai" typeface="Cordia New"/>
+        <a:font script="Ethi" typeface="Nyala"/>
+        <a:font script="Beng" typeface="Vrinda"/>
+        <a:font script="Gujr" typeface="Shruti"/>
+        <a:font script="Khmr" typeface="DaunPenh"/>
+        <a:font script="Knda" typeface="Tunga"/>
+        <a:font script="Guru" typeface="Raavi"/>
+        <a:font script="Cans" typeface="Euphemia"/>
+        <a:font script="Cher" typeface="Plantagenet Cherokee"/>
+        <a:font script="Yiii" typeface="Microsoft Yi Baiti"/>
+        <a:font script="Tibt" typeface="Microsoft Himalaya"/>
+        <a:font script="Thaa" typeface="MV Boli"/>
+        <a:font script="Deva" typeface="Mangal"/>
+        <a:font script="Telu" typeface="Gautami"/>
+        <a:font script="Taml" typeface="Latha"/>
+        <a:font script="Syrc" typeface="Estrangelo Edessa"/>
+        <a:font script="Orya" typeface="Kalinga"/>
+        <a:font script="Mlym" typeface="Kartika"/>
+        <a:font script="Laoo" typeface="DokChampa"/>
+        <a:font script="Sinh" typeface="Iskoola Pota"/>
+        <a:font script="Mong" typeface="Mongolian Baiti"/>
+        <a:font script="Viet" typeface="Arial"/>
+        <a:font script="Uigh" typeface="Microsoft Uighur"/>
+        <a:font script="Geor" typeface="Sylfaen"/>
+        <a:font script="Armn" typeface="Arial"/>
+        <a:font script="Bugi" typeface="Leelawadee UI"/>
+        <a:font script="Bopo" typeface="Microsoft JhengHei"/>
+        <a:font script="Java" typeface="Javanese Text"/>
+        <a:font script="Lisu" typeface="Segoe UI"/>
+        <a:font script="Mymr" typeface="Myanmar Text"/>
+        <a:font script="Nkoo" typeface="Ebrima"/>
+        <a:font script="Olck" typeface="Nirmala UI"/>
+        <a:font script="Osma" typeface="Ebrima"/>
+        <a:font script="Phag" typeface="Phagspa"/>
+        <a:font script="Syrn" typeface="Estrangelo Edessa"/>
+        <a:font script="Syrj" typeface="Estrangelo Edessa"/>
+        <a:font script="Syre" typeface="Estrangelo Edessa"/>
+        <a:font script="Sora" typeface="Nirmala UI"/>
+        <a:font script="Tale" typeface="Microsoft Tai Le"/>
+        <a:font script="Talu" typeface="Microsoft New Tai Lue"/>
+        <a:font script="Tfng" typeface="Ebrima"/>
+      </a:minorFont>
+    </a:fontScheme>
+    <a:fmtScheme name="Office">
+      <a:fillStyleLst>
+        <a:solidFill>
+          <a:schemeClr val="phClr"/>
+        </a:solidFill>
+        <a:gradFill rotWithShape="1">
+          <a:gsLst>
+            <a:gs pos="0">
+              <a:schemeClr val="phClr">
+                <a:lumMod val="110000"/>
+                <a:satMod val="105000"/>
+                <a:tint val="67000"/>
+              </a:schemeClr>
+            </a:gs>
+            <a:gs pos="50000">
+              <a:schemeClr val="phClr">
+                <a:lumMod val="105000"/>
+                <a:satMod val="103000"/>
+                <a:tint val="73000"/>
+              </a:schemeClr>
+            </a:gs>
+            <a:gs pos="100000">
+              <a:schemeClr val="phClr">
+                <a:lumMod val="105000"/>
+                <a:satMod val="109000"/>
+                <a:tint val="81000"/>
+              </a:schemeClr>
+            </a:gs>
+          </a:gsLst>
+          <a:lin ang="5400000" scaled="0"/>
+        </a:gradFill>
+        <a:gradFill rotWithShape="1">
+          <a:gsLst>
+            <a:gs pos="0">
+              <a:schemeClr val="phClr">
+                <a:satMod val="103000"/>
+                <a:lumMod val="102000"/>
+                <a:tint val="94000"/>
+              </a:schemeClr>
+            </a:gs>
+            <a:gs pos="50000">
+              <a:schemeClr val="phClr">
+                <a:satMod val="110000"/>
+                <a:lumMod val="100000"/>
+                <a:shade val="100000"/>
+              </a:schemeClr>
+            </a:gs>
+            <a:gs pos="100000">
+              <a:schemeClr val="phClr">
+                <a:lumMod val="99000"/>
+                <a:satMod val="120000"/>
+                <a:shade val="78000"/>
+              </a:schemeClr>
+            </a:gs>
+          </a:gsLst>
+          <a:lin ang="5400000" scaled="0"/>
+        </a:gradFill>
+      </a:fillStyleLst>
+      <a:lnStyleLst>
+        <a:ln w="6350" cap="flat" cmpd="sng" algn="ctr">
+          <a:solidFill>
+            <a:schemeClr val="phClr"/>
+          </a:solidFill>
+          <a:prstDash val="solid"/>
+          <a:miter lim="800000"/>
+        </a:ln>
+        <a:ln w="12700" cap="flat" cmpd="sng" algn="ctr">
+          <a:solidFill>
+            <a:schemeClr val="phClr"/>
+          </a:solidFill>
+          <a:prstDash val="solid"/>
+          <a:miter lim="800000"/>
+        </a:ln>
+        <a:ln w="19050" cap="flat" cmpd="sng" algn="ctr">
+          <a:solidFill>
+            <a:schemeClr val="phClr"/>
+          </a:solidFill>
+          <a:prstDash val="solid"/>
+          <a:miter lim="800000"/>
+        </a:ln>
+      </a:lnStyleLst>
+      <a:effectStyleLst>
+        <a:effectStyle>
+          <a:effectLst/>
+        </a:effectStyle>
+        <a:effectStyle>
+          <a:effectLst/>
+        </a:effectStyle>
+        <a:effectStyle>
+          <a:effectLst>
+            <a:outerShdw blurRad="57150" dist="19050" dir="5400000" algn="ctr" rotWithShape="0">
+              <a:srgbClr val="000000">
+                <a:alpha val="63000"/>
+              </a:srgbClr>
+            </a:outerShdw>
+          </a:effectLst>
+        </a:effectStyle>
+      </a:effectStyleLst>
+      <a:bgFillStyleLst>
+        <a:solidFill>
+          <a:schemeClr val="phClr"/>
+        </a:solidFill>
+        <a:solidFill>
+          <a:schemeClr val="phClr">
+            <a:tint val="95000"/>
+            <a:satMod val="170000"/>
+          </a:schemeClr>
+        </a:solidFill>
+        <a:gradFill rotWithShape="1">
+          <a:gsLst>
+            <a:gs pos="0">
+              <a:schemeClr val="phClr">
+                <a:tint val="93000"/>
+                <a:satMod val="150000"/>
+                <a:shade val="98000"/>
+                <a:lumMod val="102000"/>
+              </a:schemeClr>
+            </a:gs>
+            <a:gs pos="50000">
+              <a:schemeClr val="phClr">
+                <a:tint val="98000"/>
+                <a:satMod val="130000"/>
+                <a:shade val="90000"/>
+                <a:lumMod val="103000"/>
+              </a:schemeClr>
+            </a:gs>
+            <a:gs pos="100000">
+              <a:schemeClr val="phClr">
+                <a:shade val="63000"/>
+                <a:satMod val="120000"/>
+              </a:schemeClr>
+            </a:gs>
+          </a:gsLst>
+          <a:lin ang="5400000" scaled="0"/>
+        </a:gradFill>
+      </a:bgFillStyleLst>
+    </a:fmtScheme>
+  </a:themeElements>
+  <a:objectDefaults/>
+  <a:extraClrSchemeLst/>
+  <a:extLst>
+    <a:ext uri="{05A4C25C-085E-4340-85A3-A5531E510DB2}">
+      <thm15:themeFamily xmlns:thm15="http://schemas.microsoft.com/office/thememl/2012/main" name="Office Theme" id="{62F939B6-93AF-4DB8-9C6B-D6C7DFDC589F}" vid="{4A3C46E8-61CC-4603-A589-7422A47A8E4A}"/>
+    </a:ext>
+  </a:extLst>
+</a:theme>
 </file>